--- a/docimg/midi.pptx
+++ b/docimg/midi.pptx
@@ -243,7 +243,7 @@
           <a:p>
             <a:fld id="{56B02F1A-4028-4430-BE45-53EB57B572A3}" type="datetimeFigureOut">
               <a:rPr kumimoji="1" lang="ja-JP" altLang="en-US" smtClean="0"/>
-              <a:t>2022/9/15</a:t>
+              <a:t>2022/9/25</a:t>
             </a:fld>
             <a:endParaRPr kumimoji="1" lang="ja-JP" altLang="en-US"/>
           </a:p>
@@ -445,7 +445,7 @@
           <a:p>
             <a:fld id="{56B02F1A-4028-4430-BE45-53EB57B572A3}" type="datetimeFigureOut">
               <a:rPr kumimoji="1" lang="ja-JP" altLang="en-US" smtClean="0"/>
-              <a:t>2022/9/15</a:t>
+              <a:t>2022/9/25</a:t>
             </a:fld>
             <a:endParaRPr kumimoji="1" lang="ja-JP" altLang="en-US"/>
           </a:p>
@@ -657,7 +657,7 @@
           <a:p>
             <a:fld id="{56B02F1A-4028-4430-BE45-53EB57B572A3}" type="datetimeFigureOut">
               <a:rPr kumimoji="1" lang="ja-JP" altLang="en-US" smtClean="0"/>
-              <a:t>2022/9/15</a:t>
+              <a:t>2022/9/25</a:t>
             </a:fld>
             <a:endParaRPr kumimoji="1" lang="ja-JP" altLang="en-US"/>
           </a:p>
@@ -859,7 +859,7 @@
           <a:p>
             <a:fld id="{56B02F1A-4028-4430-BE45-53EB57B572A3}" type="datetimeFigureOut">
               <a:rPr kumimoji="1" lang="ja-JP" altLang="en-US" smtClean="0"/>
-              <a:t>2022/9/15</a:t>
+              <a:t>2022/9/25</a:t>
             </a:fld>
             <a:endParaRPr kumimoji="1" lang="ja-JP" altLang="en-US"/>
           </a:p>
@@ -1105,7 +1105,7 @@
           <a:p>
             <a:fld id="{56B02F1A-4028-4430-BE45-53EB57B572A3}" type="datetimeFigureOut">
               <a:rPr kumimoji="1" lang="ja-JP" altLang="en-US" smtClean="0"/>
-              <a:t>2022/9/15</a:t>
+              <a:t>2022/9/25</a:t>
             </a:fld>
             <a:endParaRPr kumimoji="1" lang="ja-JP" altLang="en-US"/>
           </a:p>
@@ -1401,7 +1401,7 @@
           <a:p>
             <a:fld id="{56B02F1A-4028-4430-BE45-53EB57B572A3}" type="datetimeFigureOut">
               <a:rPr kumimoji="1" lang="ja-JP" altLang="en-US" smtClean="0"/>
-              <a:t>2022/9/15</a:t>
+              <a:t>2022/9/25</a:t>
             </a:fld>
             <a:endParaRPr kumimoji="1" lang="ja-JP" altLang="en-US"/>
           </a:p>
@@ -1832,7 +1832,7 @@
           <a:p>
             <a:fld id="{56B02F1A-4028-4430-BE45-53EB57B572A3}" type="datetimeFigureOut">
               <a:rPr kumimoji="1" lang="ja-JP" altLang="en-US" smtClean="0"/>
-              <a:t>2022/9/15</a:t>
+              <a:t>2022/9/25</a:t>
             </a:fld>
             <a:endParaRPr kumimoji="1" lang="ja-JP" altLang="en-US"/>
           </a:p>
@@ -1950,7 +1950,7 @@
           <a:p>
             <a:fld id="{56B02F1A-4028-4430-BE45-53EB57B572A3}" type="datetimeFigureOut">
               <a:rPr kumimoji="1" lang="ja-JP" altLang="en-US" smtClean="0"/>
-              <a:t>2022/9/15</a:t>
+              <a:t>2022/9/25</a:t>
             </a:fld>
             <a:endParaRPr kumimoji="1" lang="ja-JP" altLang="en-US"/>
           </a:p>
@@ -2045,7 +2045,7 @@
           <a:p>
             <a:fld id="{56B02F1A-4028-4430-BE45-53EB57B572A3}" type="datetimeFigureOut">
               <a:rPr kumimoji="1" lang="ja-JP" altLang="en-US" smtClean="0"/>
-              <a:t>2022/9/15</a:t>
+              <a:t>2022/9/25</a:t>
             </a:fld>
             <a:endParaRPr kumimoji="1" lang="ja-JP" altLang="en-US"/>
           </a:p>
@@ -2354,7 +2354,7 @@
           <a:p>
             <a:fld id="{56B02F1A-4028-4430-BE45-53EB57B572A3}" type="datetimeFigureOut">
               <a:rPr kumimoji="1" lang="ja-JP" altLang="en-US" smtClean="0"/>
-              <a:t>2022/9/15</a:t>
+              <a:t>2022/9/25</a:t>
             </a:fld>
             <a:endParaRPr kumimoji="1" lang="ja-JP" altLang="en-US"/>
           </a:p>
@@ -2611,7 +2611,7 @@
           <a:p>
             <a:fld id="{56B02F1A-4028-4430-BE45-53EB57B572A3}" type="datetimeFigureOut">
               <a:rPr kumimoji="1" lang="ja-JP" altLang="en-US" smtClean="0"/>
-              <a:t>2022/9/15</a:t>
+              <a:t>2022/9/25</a:t>
             </a:fld>
             <a:endParaRPr kumimoji="1" lang="ja-JP" altLang="en-US"/>
           </a:p>
@@ -2856,7 +2856,7 @@
           <a:p>
             <a:fld id="{56B02F1A-4028-4430-BE45-53EB57B572A3}" type="datetimeFigureOut">
               <a:rPr kumimoji="1" lang="ja-JP" altLang="en-US" smtClean="0"/>
-              <a:t>2022/9/15</a:t>
+              <a:t>2022/9/25</a:t>
             </a:fld>
             <a:endParaRPr kumimoji="1" lang="ja-JP" altLang="en-US"/>
           </a:p>
@@ -4638,8 +4638,8 @@
         </p:nvSpPr>
         <p:spPr>
           <a:xfrm>
-            <a:off x="8080634" y="1128938"/>
-            <a:ext cx="2893741" cy="646331"/>
+            <a:off x="8297841" y="1128938"/>
+            <a:ext cx="2459327" cy="923330"/>
           </a:xfrm>
           <a:prstGeom prst="rect">
             <a:avLst/>
@@ -4655,7 +4655,7 @@
             <a:pPr algn="ctr"/>
             <a:r>
               <a:rPr kumimoji="1" lang="ja-JP" altLang="en-US" b="1" dirty="0"/>
-              <a:t>ノートナンバー</a:t>
+              <a:t>ベロシティ </a:t>
             </a:r>
             <a:r>
               <a:rPr kumimoji="1" lang="en-US" altLang="ja-JP" b="1" dirty="0"/>
@@ -4663,7 +4663,7 @@
             </a:r>
             <a:r>
               <a:rPr kumimoji="1" lang="ja-JP" altLang="en-US" b="1" dirty="0"/>
-              <a:t>音の高さ</a:t>
+              <a:t>音の強さ</a:t>
             </a:r>
             <a:r>
               <a:rPr kumimoji="1" lang="en-US" altLang="ja-JP" b="1" dirty="0"/>
@@ -4676,6 +4676,10 @@
               <a:rPr kumimoji="1" lang="en-US" altLang="ja-JP" b="1" dirty="0"/>
               <a:t>0-127 (7bit)</a:t>
             </a:r>
+            <a:endParaRPr kumimoji="1" lang="ja-JP" altLang="en-US" b="1" dirty="0"/>
+          </a:p>
+          <a:p>
+            <a:pPr algn="ctr"/>
             <a:endParaRPr kumimoji="1" lang="ja-JP" altLang="en-US" b="1" dirty="0"/>
           </a:p>
         </p:txBody>
@@ -4694,8 +4698,8 @@
         </p:nvSpPr>
         <p:spPr>
           <a:xfrm>
-            <a:off x="3992986" y="1138979"/>
-            <a:ext cx="2496196" cy="646331"/>
+            <a:off x="3807037" y="1138979"/>
+            <a:ext cx="2868093" cy="646331"/>
           </a:xfrm>
           <a:prstGeom prst="rect">
             <a:avLst/>
@@ -4711,7 +4715,7 @@
             <a:pPr algn="ctr"/>
             <a:r>
               <a:rPr kumimoji="1" lang="ja-JP" altLang="en-US" b="1" dirty="0"/>
-              <a:t>ベロシティ </a:t>
+              <a:t>ノートナンバー</a:t>
             </a:r>
             <a:r>
               <a:rPr kumimoji="1" lang="en-US" altLang="ja-JP" b="1" dirty="0"/>
@@ -4719,7 +4723,7 @@
             </a:r>
             <a:r>
               <a:rPr kumimoji="1" lang="ja-JP" altLang="en-US" b="1" dirty="0"/>
-              <a:t>音の強さ</a:t>
+              <a:t>音の高さ</a:t>
             </a:r>
             <a:r>
               <a:rPr kumimoji="1" lang="en-US" altLang="ja-JP" b="1" dirty="0"/>
